--- a/Technophiles.pptx
+++ b/Technophiles.pptx
@@ -22,41 +22,41 @@
   <p:notesSz cx="6858000" cy="9144000"/>
   <p:embeddedFontLst>
     <p:embeddedFont>
+      <p:font typeface="Homemade Apple" panose="020B0604020202020204" charset="0"/>
+      <p:regular r:id="rId12"/>
+    </p:embeddedFont>
+    <p:embeddedFont>
+      <p:font typeface="Poppins" panose="020B0604020202020204" charset="0"/>
+      <p:regular r:id="rId13"/>
+      <p:bold r:id="rId14"/>
+      <p:italic r:id="rId15"/>
+      <p:boldItalic r:id="rId16"/>
+    </p:embeddedFont>
+    <p:embeddedFont>
+      <p:font typeface="Darker Grotesque" panose="020B0604020202020204" charset="0"/>
+      <p:regular r:id="rId17"/>
+      <p:bold r:id="rId18"/>
+    </p:embeddedFont>
+    <p:embeddedFont>
+      <p:font typeface="Barlow Condensed" panose="020B0604020202020204" charset="0"/>
+      <p:regular r:id="rId19"/>
+      <p:bold r:id="rId20"/>
+      <p:italic r:id="rId21"/>
+      <p:boldItalic r:id="rId22"/>
+    </p:embeddedFont>
+    <p:embeddedFont>
+      <p:font typeface="Darker Grotesque SemiBold" panose="020B0604020202020204" charset="0"/>
+      <p:regular r:id="rId23"/>
+      <p:bold r:id="rId24"/>
+    </p:embeddedFont>
+    <p:embeddedFont>
       <p:font typeface="DM Serif Display" panose="020B0604020202020204" charset="0"/>
-      <p:regular r:id="rId12"/>
-      <p:italic r:id="rId13"/>
+      <p:regular r:id="rId25"/>
+      <p:italic r:id="rId26"/>
     </p:embeddedFont>
     <p:embeddedFont>
       <p:font typeface="Abril Fatface" panose="020B0604020202020204" charset="0"/>
-      <p:regular r:id="rId14"/>
-    </p:embeddedFont>
-    <p:embeddedFont>
-      <p:font typeface="Barlow Condensed" panose="020B0604020202020204" charset="0"/>
-      <p:regular r:id="rId15"/>
-      <p:bold r:id="rId16"/>
-      <p:italic r:id="rId17"/>
-      <p:boldItalic r:id="rId18"/>
-    </p:embeddedFont>
-    <p:embeddedFont>
-      <p:font typeface="Darker Grotesque" panose="020B0604020202020204" charset="0"/>
-      <p:regular r:id="rId19"/>
-      <p:bold r:id="rId20"/>
-    </p:embeddedFont>
-    <p:embeddedFont>
-      <p:font typeface="Darker Grotesque SemiBold" panose="020B0604020202020204" charset="0"/>
-      <p:regular r:id="rId21"/>
-      <p:bold r:id="rId22"/>
-    </p:embeddedFont>
-    <p:embeddedFont>
-      <p:font typeface="Homemade Apple" panose="020B0604020202020204" charset="0"/>
-      <p:regular r:id="rId23"/>
-    </p:embeddedFont>
-    <p:embeddedFont>
-      <p:font typeface="Poppins" panose="020B0604020202020204" charset="0"/>
-      <p:regular r:id="rId24"/>
-      <p:bold r:id="rId25"/>
-      <p:italic r:id="rId26"/>
-      <p:boldItalic r:id="rId27"/>
+      <p:regular r:id="rId27"/>
     </p:embeddedFont>
   </p:embeddedFontLst>
   <p:defaultTextStyle>
@@ -8169,10 +8169,16 @@
               <a:buNone/>
             </a:pPr>
             <a:r>
-              <a:rPr lang="en"/>
+              <a:rPr lang="en" dirty="0">
+                <a:latin typeface="Times New Roman" panose="02020603050405020304" pitchFamily="18" charset="0"/>
+                <a:cs typeface="Times New Roman" panose="02020603050405020304" pitchFamily="18" charset="0"/>
+              </a:rPr>
               <a:t>Skin Disease Detection</a:t>
             </a:r>
-            <a:endParaRPr/>
+            <a:endParaRPr dirty="0">
+              <a:latin typeface="Times New Roman" panose="02020603050405020304" pitchFamily="18" charset="0"/>
+              <a:cs typeface="Times New Roman" panose="02020603050405020304" pitchFamily="18" charset="0"/>
+            </a:endParaRPr>
           </a:p>
         </p:txBody>
       </p:sp>
@@ -8407,7 +8413,7 @@
               <a:buNone/>
             </a:pPr>
             <a:r>
-              <a:rPr lang="en" sz="2000">
+              <a:rPr lang="en" sz="2000" dirty="0">
                 <a:solidFill>
                   <a:srgbClr val="000000"/>
                 </a:solidFill>
@@ -8419,7 +8425,7 @@
               <a:t>Team Name: </a:t>
             </a:r>
             <a:r>
-              <a:rPr lang="en" sz="2000" b="1">
+              <a:rPr lang="en" sz="2000" b="1" dirty="0">
                 <a:solidFill>
                   <a:srgbClr val="000000"/>
                 </a:solidFill>
@@ -8430,7 +8436,7 @@
               </a:rPr>
               <a:t>Technophiles</a:t>
             </a:r>
-            <a:endParaRPr sz="2000" b="1">
+            <a:endParaRPr sz="2000" b="1" dirty="0">
               <a:solidFill>
                 <a:srgbClr val="000000"/>
               </a:solidFill>
@@ -8459,7 +8465,7 @@
               <a:buNone/>
             </a:pPr>
             <a:r>
-              <a:rPr lang="en" sz="2000">
+              <a:rPr lang="en" sz="2000" dirty="0">
                 <a:solidFill>
                   <a:srgbClr val="000000"/>
                 </a:solidFill>
@@ -8470,7 +8476,7 @@
               </a:rPr>
               <a:t>Team Members:</a:t>
             </a:r>
-            <a:endParaRPr sz="2000">
+            <a:endParaRPr sz="2000" dirty="0">
               <a:solidFill>
                 <a:srgbClr val="000000"/>
               </a:solidFill>
@@ -8499,7 +8505,7 @@
               <a:buNone/>
             </a:pPr>
             <a:r>
-              <a:rPr lang="en" sz="2000" b="1">
+              <a:rPr lang="en" sz="2000" b="1" dirty="0">
                 <a:solidFill>
                   <a:srgbClr val="000000"/>
                 </a:solidFill>
@@ -8510,7 +8516,7 @@
               </a:rPr>
               <a:t>    Rushabh Thakkar ( rushabh.tict18@sot.pdpu.ac.in)</a:t>
             </a:r>
-            <a:endParaRPr sz="2000" b="1">
+            <a:endParaRPr sz="2000" b="1" dirty="0">
               <a:solidFill>
                 <a:srgbClr val="000000"/>
               </a:solidFill>
@@ -8539,7 +8545,7 @@
               <a:buNone/>
             </a:pPr>
             <a:r>
-              <a:rPr lang="en" sz="2000" b="1">
+              <a:rPr lang="en" sz="2000" b="1" dirty="0">
                 <a:solidFill>
                   <a:srgbClr val="000000"/>
                 </a:solidFill>
@@ -8551,7 +8557,7 @@
               <a:t>    </a:t>
             </a:r>
             <a:r>
-              <a:rPr lang="en" sz="2000">
+              <a:rPr lang="en" sz="2000" dirty="0">
                 <a:solidFill>
                   <a:srgbClr val="000000"/>
                 </a:solidFill>
@@ -8562,7 +8568,7 @@
               </a:rPr>
               <a:t>Divy Patel</a:t>
             </a:r>
-            <a:endParaRPr sz="2000">
+            <a:endParaRPr sz="2000" dirty="0">
               <a:solidFill>
                 <a:srgbClr val="000000"/>
               </a:solidFill>
@@ -8591,7 +8597,7 @@
               <a:buNone/>
             </a:pPr>
             <a:r>
-              <a:rPr lang="en" sz="2000">
+              <a:rPr lang="en" sz="2000" dirty="0">
                 <a:solidFill>
                   <a:srgbClr val="000000"/>
                 </a:solidFill>
@@ -8602,7 +8608,7 @@
               </a:rPr>
               <a:t>    Denish Kalariya</a:t>
             </a:r>
-            <a:endParaRPr sz="2000">
+            <a:endParaRPr sz="2000" dirty="0">
               <a:solidFill>
                 <a:srgbClr val="000000"/>
               </a:solidFill>
@@ -8631,7 +8637,7 @@
               <a:buNone/>
             </a:pPr>
             <a:r>
-              <a:rPr lang="en" sz="2000">
+              <a:rPr lang="en" sz="2000" dirty="0">
                 <a:solidFill>
                   <a:srgbClr val="000000"/>
                 </a:solidFill>
@@ -8642,7 +8648,7 @@
               </a:rPr>
               <a:t>    Yug Thakkar</a:t>
             </a:r>
-            <a:endParaRPr sz="2000">
+            <a:endParaRPr sz="2000" dirty="0">
               <a:solidFill>
                 <a:srgbClr val="000000"/>
               </a:solidFill>
@@ -8671,7 +8677,7 @@
               <a:buNone/>
             </a:pPr>
             <a:r>
-              <a:rPr lang="en" sz="2000">
+              <a:rPr lang="en" sz="2000" dirty="0">
                 <a:solidFill>
                   <a:srgbClr val="000000"/>
                 </a:solidFill>
@@ -8682,7 +8688,7 @@
               </a:rPr>
               <a:t>    Shubham Vyas</a:t>
             </a:r>
-            <a:endParaRPr sz="2000">
+            <a:endParaRPr sz="2000" dirty="0">
               <a:solidFill>
                 <a:srgbClr val="000000"/>
               </a:solidFill>
@@ -8711,7 +8717,7 @@
               <a:buNone/>
             </a:pPr>
             <a:r>
-              <a:rPr lang="en" sz="2000">
+              <a:rPr lang="en" sz="2000" dirty="0">
                 <a:solidFill>
                   <a:srgbClr val="000000"/>
                 </a:solidFill>
@@ -8722,7 +8728,7 @@
               </a:rPr>
               <a:t>College name: Pandit Deendayal Energy University</a:t>
             </a:r>
-            <a:endParaRPr sz="2000">
+            <a:endParaRPr sz="2000" dirty="0">
               <a:solidFill>
                 <a:srgbClr val="000000"/>
               </a:solidFill>
@@ -8745,7 +8751,7 @@
               </a:spcAft>
               <a:buNone/>
             </a:pPr>
-            <a:endParaRPr b="1">
+            <a:endParaRPr b="1" dirty="0">
               <a:solidFill>
                 <a:srgbClr val="000000"/>
               </a:solidFill>
@@ -9061,6 +9067,47 @@
           </a:p>
         </p:txBody>
       </p:sp>
+      <p:pic>
+        <p:nvPicPr>
+          <p:cNvPr id="1026" name="Picture 2" descr="5 Critical Areas in Sales Team Development - X5 Management ..."/>
+          <p:cNvPicPr>
+            <a:picLocks noChangeAspect="1" noChangeArrowheads="1"/>
+          </p:cNvPicPr>
+          <p:nvPr/>
+        </p:nvPicPr>
+        <p:blipFill>
+          <a:blip r:embed="rId4">
+            <a:extLst>
+              <a:ext uri="{28A0092B-C50C-407E-A947-70E740481C1C}">
+                <a14:useLocalDpi xmlns:a14="http://schemas.microsoft.com/office/drawing/2010/main" val="0"/>
+              </a:ext>
+            </a:extLst>
+          </a:blip>
+          <a:srcRect/>
+          <a:stretch>
+            <a:fillRect/>
+          </a:stretch>
+        </p:blipFill>
+        <p:spPr bwMode="auto">
+          <a:xfrm>
+            <a:off x="7280030" y="1732843"/>
+            <a:ext cx="4911969" cy="5125157"/>
+          </a:xfrm>
+          <a:prstGeom prst="rect">
+            <a:avLst/>
+          </a:prstGeom>
+          <a:noFill/>
+          <a:extLst>
+            <a:ext uri="{909E8E84-426E-40DD-AFC4-6F175D3DCCD1}">
+              <a14:hiddenFill xmlns:a14="http://schemas.microsoft.com/office/drawing/2010/main">
+                <a:solidFill>
+                  <a:srgbClr val="FFFFFF"/>
+                </a:solidFill>
+              </a14:hiddenFill>
+            </a:ext>
+          </a:extLst>
+        </p:spPr>
+      </p:pic>
     </p:spTree>
   </p:cSld>
   <p:clrMapOvr>
@@ -10624,7 +10671,7 @@
         <p:spPr>
           <a:xfrm>
             <a:off x="276281" y="1882375"/>
-            <a:ext cx="7496119" cy="3398336"/>
+            <a:ext cx="7496119" cy="3293179"/>
           </a:xfrm>
           <a:prstGeom prst="rect">
             <a:avLst/>
@@ -10653,6 +10700,8 @@
                 <a:highlight>
                   <a:srgbClr val="FFFFFF"/>
                 </a:highlight>
+                <a:latin typeface="Times New Roman" panose="02020603050405020304" pitchFamily="18" charset="0"/>
+                <a:cs typeface="Times New Roman" panose="02020603050405020304" pitchFamily="18" charset="0"/>
               </a:rPr>
               <a:t>We made an application which classifies the skin diseases into these given types healthy, lupus, ringworm and </a:t>
             </a:r>
@@ -10664,6 +10713,8 @@
                 <a:highlight>
                   <a:srgbClr val="FFFFFF"/>
                 </a:highlight>
+                <a:latin typeface="Times New Roman" panose="02020603050405020304" pitchFamily="18" charset="0"/>
+                <a:cs typeface="Times New Roman" panose="02020603050405020304" pitchFamily="18" charset="0"/>
               </a:rPr>
               <a:t>scalp_infections</a:t>
             </a:r>
@@ -10675,8 +10726,10 @@
                 <a:highlight>
                   <a:srgbClr val="FFFFFF"/>
                 </a:highlight>
-              </a:rPr>
-              <a:t> and others.</a:t>
+                <a:latin typeface="Times New Roman" panose="02020603050405020304" pitchFamily="18" charset="0"/>
+                <a:cs typeface="Times New Roman" panose="02020603050405020304" pitchFamily="18" charset="0"/>
+              </a:rPr>
+              <a:t>.</a:t>
             </a:r>
           </a:p>
           <a:p>
@@ -10692,6 +10745,8 @@
               <a:highlight>
                 <a:srgbClr val="FFFFFF"/>
               </a:highlight>
+              <a:latin typeface="Times New Roman" panose="02020603050405020304" pitchFamily="18" charset="0"/>
+              <a:cs typeface="Times New Roman" panose="02020603050405020304" pitchFamily="18" charset="0"/>
             </a:endParaRPr>
           </a:p>
           <a:p>
@@ -10708,15 +10763,19 @@
                 <a:highlight>
                   <a:srgbClr val="FFFFFF"/>
                 </a:highlight>
+                <a:latin typeface="Times New Roman" panose="02020603050405020304" pitchFamily="18" charset="0"/>
+                <a:cs typeface="Times New Roman" panose="02020603050405020304" pitchFamily="18" charset="0"/>
               </a:rPr>
               <a:t>How?</a:t>
             </a:r>
           </a:p>
           <a:p>
-            <a:pPr lvl="0">
+            <a:pPr marL="285750" lvl="0" indent="-285750">
               <a:spcBef>
                 <a:spcPts val="800"/>
               </a:spcBef>
+              <a:buFont typeface="Wingdings" panose="05000000000000000000" pitchFamily="2" charset="2"/>
+              <a:buChar char="Ø"/>
             </a:pPr>
             <a:r>
               <a:rPr lang="en-US" sz="1350" dirty="0" smtClean="0">
@@ -10726,6 +10785,8 @@
                 <a:highlight>
                   <a:srgbClr val="FFFFFF"/>
                 </a:highlight>
+                <a:latin typeface="Times New Roman" panose="02020603050405020304" pitchFamily="18" charset="0"/>
+                <a:cs typeface="Times New Roman" panose="02020603050405020304" pitchFamily="18" charset="0"/>
               </a:rPr>
               <a:t>The </a:t>
             </a:r>
@@ -10737,6 +10798,8 @@
                 <a:highlight>
                   <a:srgbClr val="FFFFFF"/>
                 </a:highlight>
+                <a:latin typeface="Times New Roman" panose="02020603050405020304" pitchFamily="18" charset="0"/>
+                <a:cs typeface="Times New Roman" panose="02020603050405020304" pitchFamily="18" charset="0"/>
               </a:rPr>
               <a:t>data given was </a:t>
             </a:r>
@@ -10748,6 +10811,8 @@
                 <a:highlight>
                   <a:srgbClr val="FFFFFF"/>
                 </a:highlight>
+                <a:latin typeface="Times New Roman" panose="02020603050405020304" pitchFamily="18" charset="0"/>
+                <a:cs typeface="Times New Roman" panose="02020603050405020304" pitchFamily="18" charset="0"/>
               </a:rPr>
               <a:t>analysed</a:t>
             </a:r>
@@ -10759,8 +10824,10 @@
                 <a:highlight>
                   <a:srgbClr val="FFFFFF"/>
                 </a:highlight>
-              </a:rPr>
-              <a:t> first. We came to conclusion that the data given was not enough so we searched for new datasets</a:t>
+                <a:latin typeface="Times New Roman" panose="02020603050405020304" pitchFamily="18" charset="0"/>
+                <a:cs typeface="Times New Roman" panose="02020603050405020304" pitchFamily="18" charset="0"/>
+              </a:rPr>
+              <a:t> first. We came to conclusion that the data given was not enough so we searched for new </a:t>
             </a:r>
             <a:r>
               <a:rPr lang="en-US" sz="1350" dirty="0" smtClean="0">
@@ -10770,15 +10837,19 @@
                 <a:highlight>
                   <a:srgbClr val="FFFFFF"/>
                 </a:highlight>
-              </a:rPr>
-              <a:t>.</a:t>
+                <a:latin typeface="Times New Roman" panose="02020603050405020304" pitchFamily="18" charset="0"/>
+                <a:cs typeface="Times New Roman" panose="02020603050405020304" pitchFamily="18" charset="0"/>
+              </a:rPr>
+              <a:t>datasets.</a:t>
             </a:r>
           </a:p>
           <a:p>
-            <a:pPr lvl="0">
+            <a:pPr marL="285750" lvl="0" indent="-285750">
               <a:spcBef>
                 <a:spcPts val="800"/>
               </a:spcBef>
+              <a:buFont typeface="Wingdings" panose="05000000000000000000" pitchFamily="2" charset="2"/>
+              <a:buChar char="Ø"/>
             </a:pPr>
             <a:r>
               <a:rPr lang="en-US" sz="1350" dirty="0" smtClean="0">
@@ -10788,6 +10859,8 @@
                 <a:highlight>
                   <a:srgbClr val="FFFFFF"/>
                 </a:highlight>
+                <a:latin typeface="Times New Roman" panose="02020603050405020304" pitchFamily="18" charset="0"/>
+                <a:cs typeface="Times New Roman" panose="02020603050405020304" pitchFamily="18" charset="0"/>
               </a:rPr>
               <a:t>We </a:t>
             </a:r>
@@ -10799,6 +10872,8 @@
                 <a:highlight>
                   <a:srgbClr val="FFFFFF"/>
                 </a:highlight>
+                <a:latin typeface="Times New Roman" panose="02020603050405020304" pitchFamily="18" charset="0"/>
+                <a:cs typeface="Times New Roman" panose="02020603050405020304" pitchFamily="18" charset="0"/>
               </a:rPr>
               <a:t>got </a:t>
             </a:r>
@@ -10810,6 +10885,8 @@
                 <a:highlight>
                   <a:srgbClr val="FFFFFF"/>
                 </a:highlight>
+                <a:latin typeface="Times New Roman" panose="02020603050405020304" pitchFamily="18" charset="0"/>
+                <a:cs typeface="Times New Roman" panose="02020603050405020304" pitchFamily="18" charset="0"/>
               </a:rPr>
               <a:t>the datasets from various sources and </a:t>
             </a:r>
@@ -10821,6 +10898,8 @@
                 <a:highlight>
                   <a:srgbClr val="FFFFFF"/>
                 </a:highlight>
+                <a:latin typeface="Times New Roman" panose="02020603050405020304" pitchFamily="18" charset="0"/>
+                <a:cs typeface="Times New Roman" panose="02020603050405020304" pitchFamily="18" charset="0"/>
               </a:rPr>
               <a:t>segregated the datasets of </a:t>
             </a:r>
@@ -10832,6 +10911,8 @@
                 <a:highlight>
                   <a:srgbClr val="FFFFFF"/>
                 </a:highlight>
+                <a:latin typeface="Times New Roman" panose="02020603050405020304" pitchFamily="18" charset="0"/>
+                <a:cs typeface="Times New Roman" panose="02020603050405020304" pitchFamily="18" charset="0"/>
               </a:rPr>
               <a:t>harvard</a:t>
             </a:r>
@@ -10843,6 +10924,8 @@
                 <a:highlight>
                   <a:srgbClr val="FFFFFF"/>
                 </a:highlight>
+                <a:latin typeface="Times New Roman" panose="02020603050405020304" pitchFamily="18" charset="0"/>
+                <a:cs typeface="Times New Roman" panose="02020603050405020304" pitchFamily="18" charset="0"/>
               </a:rPr>
               <a:t>. </a:t>
             </a:r>
@@ -10854,6 +10937,8 @@
                 <a:highlight>
                   <a:srgbClr val="FFFFFF"/>
                 </a:highlight>
+                <a:latin typeface="Times New Roman" panose="02020603050405020304" pitchFamily="18" charset="0"/>
+                <a:cs typeface="Times New Roman" panose="02020603050405020304" pitchFamily="18" charset="0"/>
               </a:rPr>
               <a:t>We combined </a:t>
             </a:r>
@@ -10865,6 +10950,8 @@
                 <a:highlight>
                   <a:srgbClr val="FFFFFF"/>
                 </a:highlight>
+                <a:latin typeface="Times New Roman" panose="02020603050405020304" pitchFamily="18" charset="0"/>
+                <a:cs typeface="Times New Roman" panose="02020603050405020304" pitchFamily="18" charset="0"/>
               </a:rPr>
               <a:t>all the datasets and trained the </a:t>
             </a:r>
@@ -10876,6 +10963,8 @@
                 <a:highlight>
                   <a:srgbClr val="FFFFFF"/>
                 </a:highlight>
+                <a:latin typeface="Times New Roman" panose="02020603050405020304" pitchFamily="18" charset="0"/>
+                <a:cs typeface="Times New Roman" panose="02020603050405020304" pitchFamily="18" charset="0"/>
               </a:rPr>
               <a:t>tensorflow</a:t>
             </a:r>
@@ -10887,6 +10976,8 @@
                 <a:highlight>
                   <a:srgbClr val="FFFFFF"/>
                 </a:highlight>
+                <a:latin typeface="Times New Roman" panose="02020603050405020304" pitchFamily="18" charset="0"/>
+                <a:cs typeface="Times New Roman" panose="02020603050405020304" pitchFamily="18" charset="0"/>
               </a:rPr>
               <a:t> image classification model multiple times</a:t>
             </a:r>
@@ -10898,6 +10989,8 @@
                 <a:highlight>
                   <a:srgbClr val="FFFFFF"/>
                 </a:highlight>
+                <a:latin typeface="Times New Roman" panose="02020603050405020304" pitchFamily="18" charset="0"/>
+                <a:cs typeface="Times New Roman" panose="02020603050405020304" pitchFamily="18" charset="0"/>
               </a:rPr>
               <a:t>. The accuracy </a:t>
             </a:r>
@@ -10909,6 +11002,8 @@
                 <a:highlight>
                   <a:srgbClr val="FFFFFF"/>
                 </a:highlight>
+                <a:latin typeface="Times New Roman" panose="02020603050405020304" pitchFamily="18" charset="0"/>
+                <a:cs typeface="Times New Roman" panose="02020603050405020304" pitchFamily="18" charset="0"/>
               </a:rPr>
               <a:t>was not satisfying</a:t>
             </a:r>
@@ -10920,6 +11015,8 @@
                 <a:highlight>
                   <a:srgbClr val="FFFFFF"/>
                 </a:highlight>
+                <a:latin typeface="Times New Roman" panose="02020603050405020304" pitchFamily="18" charset="0"/>
+                <a:cs typeface="Times New Roman" panose="02020603050405020304" pitchFamily="18" charset="0"/>
               </a:rPr>
               <a:t>. Augmented </a:t>
             </a:r>
@@ -10931,6 +11028,8 @@
                 <a:highlight>
                   <a:srgbClr val="FFFFFF"/>
                 </a:highlight>
+                <a:latin typeface="Times New Roman" panose="02020603050405020304" pitchFamily="18" charset="0"/>
+                <a:cs typeface="Times New Roman" panose="02020603050405020304" pitchFamily="18" charset="0"/>
               </a:rPr>
               <a:t>the data to </a:t>
             </a:r>
@@ -10942,6 +11041,8 @@
                 <a:highlight>
                   <a:srgbClr val="FFFFFF"/>
                 </a:highlight>
+                <a:latin typeface="Times New Roman" panose="02020603050405020304" pitchFamily="18" charset="0"/>
+                <a:cs typeface="Times New Roman" panose="02020603050405020304" pitchFamily="18" charset="0"/>
               </a:rPr>
               <a:t>unbais</a:t>
             </a:r>
@@ -10953,6 +11054,8 @@
                 <a:highlight>
                   <a:srgbClr val="FFFFFF"/>
                 </a:highlight>
+                <a:latin typeface="Times New Roman" panose="02020603050405020304" pitchFamily="18" charset="0"/>
+                <a:cs typeface="Times New Roman" panose="02020603050405020304" pitchFamily="18" charset="0"/>
               </a:rPr>
               <a:t> </a:t>
             </a:r>
@@ -10964,173 +11067,227 @@
                 <a:highlight>
                   <a:srgbClr val="FFFFFF"/>
                 </a:highlight>
-              </a:rPr>
-              <a:t>the model and the dataset would be </a:t>
-            </a:r>
-            <a:r>
-              <a:rPr lang="en-US" sz="1350" dirty="0" err="1">
+                <a:latin typeface="Times New Roman" panose="02020603050405020304" pitchFamily="18" charset="0"/>
+                <a:cs typeface="Times New Roman" panose="02020603050405020304" pitchFamily="18" charset="0"/>
+              </a:rPr>
+              <a:t>the model and the dataset would be balanced</a:t>
+            </a:r>
+            <a:r>
+              <a:rPr lang="en-US" sz="1350" dirty="0" smtClean="0">
                 <a:solidFill>
                   <a:srgbClr val="333333"/>
                 </a:solidFill>
                 <a:highlight>
                   <a:srgbClr val="FFFFFF"/>
                 </a:highlight>
-              </a:rPr>
-              <a:t>balanced.Data</a:t>
-            </a:r>
-            <a:r>
-              <a:rPr lang="en-US" sz="1350" dirty="0">
+                <a:latin typeface="Times New Roman" panose="02020603050405020304" pitchFamily="18" charset="0"/>
+                <a:cs typeface="Times New Roman" panose="02020603050405020304" pitchFamily="18" charset="0"/>
+              </a:rPr>
+              <a:t>. </a:t>
+            </a:r>
+          </a:p>
+          <a:p>
+            <a:pPr marL="285750" lvl="0" indent="-285750">
+              <a:spcBef>
+                <a:spcPts val="800"/>
+              </a:spcBef>
+              <a:buFont typeface="Wingdings" panose="05000000000000000000" pitchFamily="2" charset="2"/>
+              <a:buChar char="Ø"/>
+            </a:pPr>
+            <a:r>
+              <a:rPr lang="en-US" sz="1350" dirty="0" smtClean="0">
                 <a:solidFill>
                   <a:srgbClr val="333333"/>
                 </a:solidFill>
                 <a:highlight>
                   <a:srgbClr val="FFFFFF"/>
                 </a:highlight>
-              </a:rPr>
-              <a:t> Augmentation was done on the data given . We generated 800 images per </a:t>
-            </a:r>
-            <a:r>
-              <a:rPr lang="en-US" sz="1350" dirty="0" err="1">
+                <a:latin typeface="Times New Roman" panose="02020603050405020304" pitchFamily="18" charset="0"/>
+                <a:cs typeface="Times New Roman" panose="02020603050405020304" pitchFamily="18" charset="0"/>
+              </a:rPr>
+              <a:t>Data </a:t>
+            </a:r>
+            <a:r>
+              <a:rPr lang="en-US" sz="1350" dirty="0">
                 <a:solidFill>
                   <a:srgbClr val="333333"/>
                 </a:solidFill>
                 <a:highlight>
                   <a:srgbClr val="FFFFFF"/>
                 </a:highlight>
-              </a:rPr>
-              <a:t>disease.Again</a:t>
-            </a:r>
-            <a:r>
-              <a:rPr lang="en-US" sz="1350" dirty="0">
+                <a:latin typeface="Times New Roman" panose="02020603050405020304" pitchFamily="18" charset="0"/>
+                <a:cs typeface="Times New Roman" panose="02020603050405020304" pitchFamily="18" charset="0"/>
+              </a:rPr>
+              <a:t>Augmentation was done on the data given . We generated 800 images per </a:t>
+            </a:r>
+            <a:r>
+              <a:rPr lang="en-US" sz="1350" dirty="0" err="1">
                 <a:solidFill>
                   <a:srgbClr val="333333"/>
                 </a:solidFill>
                 <a:highlight>
                   <a:srgbClr val="FFFFFF"/>
                 </a:highlight>
-              </a:rPr>
-              <a:t> we had trained the </a:t>
-            </a:r>
-            <a:r>
-              <a:rPr lang="en-US" sz="1350" dirty="0" smtClean="0">
+                <a:latin typeface="Times New Roman" panose="02020603050405020304" pitchFamily="18" charset="0"/>
+                <a:cs typeface="Times New Roman" panose="02020603050405020304" pitchFamily="18" charset="0"/>
+              </a:rPr>
+              <a:t>disease.Again</a:t>
+            </a:r>
+            <a:r>
+              <a:rPr lang="en-US" sz="1350" dirty="0">
                 <a:solidFill>
                   <a:srgbClr val="333333"/>
                 </a:solidFill>
                 <a:highlight>
                   <a:srgbClr val="FFFFFF"/>
                 </a:highlight>
-              </a:rPr>
-              <a:t>model and the accuracy </a:t>
-            </a:r>
-            <a:r>
-              <a:rPr lang="en-US" sz="1350" dirty="0">
+                <a:latin typeface="Times New Roman" panose="02020603050405020304" pitchFamily="18" charset="0"/>
+                <a:cs typeface="Times New Roman" panose="02020603050405020304" pitchFamily="18" charset="0"/>
+              </a:rPr>
+              <a:t> we had trained the </a:t>
+            </a:r>
+            <a:r>
+              <a:rPr lang="en-US" sz="1350" dirty="0" smtClean="0">
                 <a:solidFill>
                   <a:srgbClr val="333333"/>
                 </a:solidFill>
                 <a:highlight>
                   <a:srgbClr val="FFFFFF"/>
                 </a:highlight>
-              </a:rPr>
-              <a:t>was good</a:t>
-            </a:r>
-            <a:r>
-              <a:rPr lang="en-US" sz="1350" dirty="0" smtClean="0">
+                <a:latin typeface="Times New Roman" panose="02020603050405020304" pitchFamily="18" charset="0"/>
+                <a:cs typeface="Times New Roman" panose="02020603050405020304" pitchFamily="18" charset="0"/>
+              </a:rPr>
+              <a:t>model and the accuracy </a:t>
+            </a:r>
+            <a:r>
+              <a:rPr lang="en-US" sz="1350" dirty="0">
                 <a:solidFill>
                   <a:srgbClr val="333333"/>
                 </a:solidFill>
                 <a:highlight>
                   <a:srgbClr val="FFFFFF"/>
                 </a:highlight>
-              </a:rPr>
-              <a:t>. After which, we </a:t>
-            </a:r>
-            <a:r>
-              <a:rPr lang="en-US" sz="1350" dirty="0">
+                <a:latin typeface="Times New Roman" panose="02020603050405020304" pitchFamily="18" charset="0"/>
+                <a:cs typeface="Times New Roman" panose="02020603050405020304" pitchFamily="18" charset="0"/>
+              </a:rPr>
+              <a:t>was good</a:t>
+            </a:r>
+            <a:r>
+              <a:rPr lang="en-US" sz="1350" dirty="0" smtClean="0">
                 <a:solidFill>
                   <a:srgbClr val="333333"/>
                 </a:solidFill>
                 <a:highlight>
                   <a:srgbClr val="FFFFFF"/>
                 </a:highlight>
-              </a:rPr>
-              <a:t>e</a:t>
-            </a:r>
-            <a:r>
-              <a:rPr lang="en-US" sz="1350" dirty="0" smtClean="0">
+                <a:latin typeface="Times New Roman" panose="02020603050405020304" pitchFamily="18" charset="0"/>
+                <a:cs typeface="Times New Roman" panose="02020603050405020304" pitchFamily="18" charset="0"/>
+              </a:rPr>
+              <a:t>. After which, we </a:t>
+            </a:r>
+            <a:r>
+              <a:rPr lang="en-US" sz="1350" dirty="0">
                 <a:solidFill>
                   <a:srgbClr val="333333"/>
                 </a:solidFill>
                 <a:highlight>
                   <a:srgbClr val="FFFFFF"/>
                 </a:highlight>
-              </a:rPr>
-              <a:t>xported </a:t>
-            </a:r>
-            <a:r>
-              <a:rPr lang="en-US" sz="1350" dirty="0">
+                <a:latin typeface="Times New Roman" panose="02020603050405020304" pitchFamily="18" charset="0"/>
+                <a:cs typeface="Times New Roman" panose="02020603050405020304" pitchFamily="18" charset="0"/>
+              </a:rPr>
+              <a:t>e</a:t>
+            </a:r>
+            <a:r>
+              <a:rPr lang="en-US" sz="1350" dirty="0" smtClean="0">
                 <a:solidFill>
                   <a:srgbClr val="333333"/>
                 </a:solidFill>
                 <a:highlight>
                   <a:srgbClr val="FFFFFF"/>
                 </a:highlight>
-              </a:rPr>
-              <a:t>the .</a:t>
-            </a:r>
-            <a:r>
-              <a:rPr lang="en-US" sz="1350" dirty="0" err="1">
+                <a:latin typeface="Times New Roman" panose="02020603050405020304" pitchFamily="18" charset="0"/>
+                <a:cs typeface="Times New Roman" panose="02020603050405020304" pitchFamily="18" charset="0"/>
+              </a:rPr>
+              <a:t>xported </a:t>
+            </a:r>
+            <a:r>
+              <a:rPr lang="en-US" sz="1350" dirty="0">
                 <a:solidFill>
                   <a:srgbClr val="333333"/>
                 </a:solidFill>
                 <a:highlight>
                   <a:srgbClr val="FFFFFF"/>
                 </a:highlight>
-              </a:rPr>
-              <a:t>tflite</a:t>
-            </a:r>
-            <a:r>
-              <a:rPr lang="en-US" sz="1350" dirty="0">
+                <a:latin typeface="Times New Roman" panose="02020603050405020304" pitchFamily="18" charset="0"/>
+                <a:cs typeface="Times New Roman" panose="02020603050405020304" pitchFamily="18" charset="0"/>
+              </a:rPr>
+              <a:t>the .</a:t>
+            </a:r>
+            <a:r>
+              <a:rPr lang="en-US" sz="1350" dirty="0" err="1">
                 <a:solidFill>
                   <a:srgbClr val="333333"/>
                 </a:solidFill>
                 <a:highlight>
                   <a:srgbClr val="FFFFFF"/>
                 </a:highlight>
-              </a:rPr>
-              <a:t> and label.txt </a:t>
-            </a:r>
-            <a:r>
-              <a:rPr lang="en-US" sz="1350" dirty="0" err="1">
+                <a:latin typeface="Times New Roman" panose="02020603050405020304" pitchFamily="18" charset="0"/>
+                <a:cs typeface="Times New Roman" panose="02020603050405020304" pitchFamily="18" charset="0"/>
+              </a:rPr>
+              <a:t>tflite</a:t>
+            </a:r>
+            <a:r>
+              <a:rPr lang="en-US" sz="1350" dirty="0">
                 <a:solidFill>
                   <a:srgbClr val="333333"/>
                 </a:solidFill>
                 <a:highlight>
                   <a:srgbClr val="FFFFFF"/>
                 </a:highlight>
-              </a:rPr>
-              <a:t>file.We</a:t>
-            </a:r>
-            <a:r>
-              <a:rPr lang="en-US" sz="1350" dirty="0">
+                <a:latin typeface="Times New Roman" panose="02020603050405020304" pitchFamily="18" charset="0"/>
+                <a:cs typeface="Times New Roman" panose="02020603050405020304" pitchFamily="18" charset="0"/>
+              </a:rPr>
+              <a:t> and label.txt </a:t>
+            </a:r>
+            <a:r>
+              <a:rPr lang="en-US" sz="1350" dirty="0" err="1">
                 <a:solidFill>
                   <a:srgbClr val="333333"/>
                 </a:solidFill>
                 <a:highlight>
                   <a:srgbClr val="FFFFFF"/>
                 </a:highlight>
-              </a:rPr>
-              <a:t> imported the files into android </a:t>
-            </a:r>
-            <a:r>
-              <a:rPr lang="en-US" sz="1350" dirty="0" smtClean="0">
+                <a:latin typeface="Times New Roman" panose="02020603050405020304" pitchFamily="18" charset="0"/>
+                <a:cs typeface="Times New Roman" panose="02020603050405020304" pitchFamily="18" charset="0"/>
+              </a:rPr>
+              <a:t>file.We</a:t>
+            </a:r>
+            <a:r>
+              <a:rPr lang="en-US" sz="1350" dirty="0">
                 <a:solidFill>
                   <a:srgbClr val="333333"/>
                 </a:solidFill>
                 <a:highlight>
                   <a:srgbClr val="FFFFFF"/>
                 </a:highlight>
-              </a:rPr>
-              <a:t>studio and made an application which is working properly</a:t>
+                <a:latin typeface="Times New Roman" panose="02020603050405020304" pitchFamily="18" charset="0"/>
+                <a:cs typeface="Times New Roman" panose="02020603050405020304" pitchFamily="18" charset="0"/>
+              </a:rPr>
+              <a:t> imported the files into android </a:t>
+            </a:r>
+            <a:r>
+              <a:rPr lang="en-US" sz="1350" dirty="0" smtClean="0">
+                <a:solidFill>
+                  <a:srgbClr val="333333"/>
+                </a:solidFill>
+                <a:highlight>
+                  <a:srgbClr val="FFFFFF"/>
+                </a:highlight>
+                <a:latin typeface="Times New Roman" panose="02020603050405020304" pitchFamily="18" charset="0"/>
+                <a:cs typeface="Times New Roman" panose="02020603050405020304" pitchFamily="18" charset="0"/>
+              </a:rPr>
+              <a:t>studio and made an application which is working properly.</a:t>
             </a:r>
             <a:endParaRPr sz="1350" dirty="0">
               <a:solidFill>
@@ -11139,6 +11296,8 @@
               <a:highlight>
                 <a:srgbClr val="FFFFFF"/>
               </a:highlight>
+              <a:latin typeface="Times New Roman" panose="02020603050405020304" pitchFamily="18" charset="0"/>
+              <a:cs typeface="Times New Roman" panose="02020603050405020304" pitchFamily="18" charset="0"/>
             </a:endParaRPr>
           </a:p>
         </p:txBody>
@@ -11219,6 +11378,47 @@
           </a:p>
         </p:txBody>
       </p:sp>
+      <p:pic>
+        <p:nvPicPr>
+          <p:cNvPr id="2052" name="Picture 4" descr="About Us - Mekong Legal"/>
+          <p:cNvPicPr>
+            <a:picLocks noChangeAspect="1" noChangeArrowheads="1"/>
+          </p:cNvPicPr>
+          <p:nvPr/>
+        </p:nvPicPr>
+        <p:blipFill>
+          <a:blip r:embed="rId4">
+            <a:extLst>
+              <a:ext uri="{28A0092B-C50C-407E-A947-70E740481C1C}">
+                <a14:useLocalDpi xmlns:a14="http://schemas.microsoft.com/office/drawing/2010/main" val="0"/>
+              </a:ext>
+            </a:extLst>
+          </a:blip>
+          <a:srcRect/>
+          <a:stretch>
+            <a:fillRect/>
+          </a:stretch>
+        </p:blipFill>
+        <p:spPr bwMode="auto">
+          <a:xfrm>
+            <a:off x="7948245" y="1767254"/>
+            <a:ext cx="4243629" cy="5046784"/>
+          </a:xfrm>
+          <a:prstGeom prst="rect">
+            <a:avLst/>
+          </a:prstGeom>
+          <a:noFill/>
+          <a:extLst>
+            <a:ext uri="{909E8E84-426E-40DD-AFC4-6F175D3DCCD1}">
+              <a14:hiddenFill xmlns:a14="http://schemas.microsoft.com/office/drawing/2010/main">
+                <a:solidFill>
+                  <a:srgbClr val="FFFFFF"/>
+                </a:solidFill>
+              </a14:hiddenFill>
+            </a:ext>
+          </a:extLst>
+        </p:spPr>
+      </p:pic>
     </p:spTree>
     <p:extLst>
       <p:ext uri="{BB962C8B-B14F-4D97-AF65-F5344CB8AC3E}">
@@ -11644,8 +11844,21 @@
                 <a:highlight>
                   <a:srgbClr val="FFFFFF"/>
                 </a:highlight>
-              </a:rPr>
-              <a:t>Our application is working perfectly as shown here:</a:t>
+                <a:latin typeface="Times New Roman" panose="02020603050405020304" pitchFamily="18" charset="0"/>
+                <a:cs typeface="Times New Roman" panose="02020603050405020304" pitchFamily="18" charset="0"/>
+              </a:rPr>
+              <a:t>Our application is working perfectly as shown here</a:t>
+            </a:r>
+            <a:r>
+              <a:rPr lang="en-IN" sz="1350" dirty="0" smtClean="0">
+                <a:solidFill>
+                  <a:srgbClr val="333333"/>
+                </a:solidFill>
+                <a:highlight>
+                  <a:srgbClr val="FFFFFF"/>
+                </a:highlight>
+              </a:rPr>
+              <a:t>:</a:t>
             </a:r>
             <a:endParaRPr sz="1350" dirty="0">
               <a:solidFill>
@@ -11692,7 +11905,7 @@
           <a:bodyPr/>
           <a:lstStyle/>
           <a:p>
-            <a:endParaRPr lang="en-IN"/>
+            <a:endParaRPr lang="en-IN" dirty="0"/>
           </a:p>
         </p:txBody>
       </p:sp>
@@ -11756,8 +11969,98 @@
         </p:blipFill>
         <p:spPr>
           <a:xfrm>
-            <a:off x="2558563" y="2558561"/>
-            <a:ext cx="2998176" cy="3841083"/>
+            <a:off x="885039" y="2485665"/>
+            <a:ext cx="2482415" cy="3841083"/>
+          </a:xfrm>
+          <a:prstGeom prst="rect">
+            <a:avLst/>
+          </a:prstGeom>
+        </p:spPr>
+      </p:pic>
+      <p:pic>
+        <p:nvPicPr>
+          <p:cNvPr id="9" name="Picture 8"/>
+          <p:cNvPicPr>
+            <a:picLocks noChangeAspect="1"/>
+          </p:cNvPicPr>
+          <p:nvPr/>
+        </p:nvPicPr>
+        <p:blipFill>
+          <a:blip r:embed="rId5">
+            <a:extLst>
+              <a:ext uri="{28A0092B-C50C-407E-A947-70E740481C1C}">
+                <a14:useLocalDpi xmlns:a14="http://schemas.microsoft.com/office/drawing/2010/main" val="0"/>
+              </a:ext>
+            </a:extLst>
+          </a:blip>
+          <a:stretch>
+            <a:fillRect/>
+          </a:stretch>
+        </p:blipFill>
+        <p:spPr>
+          <a:xfrm>
+            <a:off x="3681440" y="2485664"/>
+            <a:ext cx="2095106" cy="3841083"/>
+          </a:xfrm>
+          <a:prstGeom prst="rect">
+            <a:avLst/>
+          </a:prstGeom>
+        </p:spPr>
+      </p:pic>
+      <p:pic>
+        <p:nvPicPr>
+          <p:cNvPr id="10" name="Picture 9"/>
+          <p:cNvPicPr>
+            <a:picLocks noChangeAspect="1"/>
+          </p:cNvPicPr>
+          <p:nvPr/>
+        </p:nvPicPr>
+        <p:blipFill>
+          <a:blip r:embed="rId6">
+            <a:extLst>
+              <a:ext uri="{28A0092B-C50C-407E-A947-70E740481C1C}">
+                <a14:useLocalDpi xmlns:a14="http://schemas.microsoft.com/office/drawing/2010/main" val="0"/>
+              </a:ext>
+            </a:extLst>
+          </a:blip>
+          <a:stretch>
+            <a:fillRect/>
+          </a:stretch>
+        </p:blipFill>
+        <p:spPr>
+          <a:xfrm>
+            <a:off x="6347640" y="2475137"/>
+            <a:ext cx="2016622" cy="3862136"/>
+          </a:xfrm>
+          <a:prstGeom prst="rect">
+            <a:avLst/>
+          </a:prstGeom>
+        </p:spPr>
+      </p:pic>
+      <p:pic>
+        <p:nvPicPr>
+          <p:cNvPr id="11" name="Picture 10"/>
+          <p:cNvPicPr>
+            <a:picLocks noChangeAspect="1"/>
+          </p:cNvPicPr>
+          <p:nvPr/>
+        </p:nvPicPr>
+        <p:blipFill>
+          <a:blip r:embed="rId7">
+            <a:extLst>
+              <a:ext uri="{28A0092B-C50C-407E-A947-70E740481C1C}">
+                <a14:useLocalDpi xmlns:a14="http://schemas.microsoft.com/office/drawing/2010/main" val="0"/>
+              </a:ext>
+            </a:extLst>
+          </a:blip>
+          <a:stretch>
+            <a:fillRect/>
+          </a:stretch>
+        </p:blipFill>
+        <p:spPr>
+          <a:xfrm>
+            <a:off x="8797025" y="2484208"/>
+            <a:ext cx="2704991" cy="3853065"/>
           </a:xfrm>
           <a:prstGeom prst="rect">
             <a:avLst/>
@@ -12156,7 +12459,7 @@
         <p:spPr>
           <a:xfrm>
             <a:off x="276281" y="1882375"/>
-            <a:ext cx="7496119" cy="2998226"/>
+            <a:ext cx="7496119" cy="3549659"/>
           </a:xfrm>
           <a:prstGeom prst="rect">
             <a:avLst/>
@@ -12173,311 +12476,510 @@
           <a:lstStyle/>
           <a:p>
             <a:r>
-              <a:rPr lang="en-IN" sz="1200" dirty="0"/>
+              <a:rPr lang="en-IN" sz="1200" dirty="0">
+                <a:latin typeface="Times New Roman" panose="02020603050405020304" pitchFamily="18" charset="0"/>
+                <a:cs typeface="Times New Roman" panose="02020603050405020304" pitchFamily="18" charset="0"/>
+              </a:rPr>
               <a:t>1. Patel VL, </a:t>
             </a:r>
             <a:r>
-              <a:rPr lang="en-IN" sz="1200" dirty="0" err="1"/>
+              <a:rPr lang="en-IN" sz="1200" dirty="0" err="1">
+                <a:latin typeface="Times New Roman" panose="02020603050405020304" pitchFamily="18" charset="0"/>
+                <a:cs typeface="Times New Roman" panose="02020603050405020304" pitchFamily="18" charset="0"/>
+              </a:rPr>
               <a:t>Shortliffe</a:t>
             </a:r>
             <a:r>
-              <a:rPr lang="en-IN" sz="1200" dirty="0"/>
+              <a:rPr lang="en-IN" sz="1200" dirty="0">
+                <a:latin typeface="Times New Roman" panose="02020603050405020304" pitchFamily="18" charset="0"/>
+                <a:cs typeface="Times New Roman" panose="02020603050405020304" pitchFamily="18" charset="0"/>
+              </a:rPr>
               <a:t> EH, </a:t>
             </a:r>
             <a:r>
-              <a:rPr lang="en-IN" sz="1200" dirty="0" err="1"/>
+              <a:rPr lang="en-IN" sz="1200" dirty="0" err="1">
+                <a:latin typeface="Times New Roman" panose="02020603050405020304" pitchFamily="18" charset="0"/>
+                <a:cs typeface="Times New Roman" panose="02020603050405020304" pitchFamily="18" charset="0"/>
+              </a:rPr>
               <a:t>Stefanelli</a:t>
             </a:r>
             <a:r>
-              <a:rPr lang="en-IN" sz="1200" dirty="0"/>
+              <a:rPr lang="en-IN" sz="1200" dirty="0">
+                <a:latin typeface="Times New Roman" panose="02020603050405020304" pitchFamily="18" charset="0"/>
+                <a:cs typeface="Times New Roman" panose="02020603050405020304" pitchFamily="18" charset="0"/>
+              </a:rPr>
               <a:t> M, </a:t>
             </a:r>
             <a:r>
-              <a:rPr lang="en-IN" sz="1200" dirty="0" err="1"/>
+              <a:rPr lang="en-IN" sz="1200" dirty="0" err="1">
+                <a:latin typeface="Times New Roman" panose="02020603050405020304" pitchFamily="18" charset="0"/>
+                <a:cs typeface="Times New Roman" panose="02020603050405020304" pitchFamily="18" charset="0"/>
+              </a:rPr>
               <a:t>Szolovits</a:t>
             </a:r>
             <a:r>
-              <a:rPr lang="en-IN" sz="1200" dirty="0"/>
+              <a:rPr lang="en-IN" sz="1200" dirty="0">
+                <a:latin typeface="Times New Roman" panose="02020603050405020304" pitchFamily="18" charset="0"/>
+                <a:cs typeface="Times New Roman" panose="02020603050405020304" pitchFamily="18" charset="0"/>
+              </a:rPr>
               <a:t> P, Berthold MR, </a:t>
             </a:r>
             <a:r>
-              <a:rPr lang="en-IN" sz="1200" dirty="0" err="1"/>
+              <a:rPr lang="en-IN" sz="1200" dirty="0" err="1">
+                <a:latin typeface="Times New Roman" panose="02020603050405020304" pitchFamily="18" charset="0"/>
+                <a:cs typeface="Times New Roman" panose="02020603050405020304" pitchFamily="18" charset="0"/>
+              </a:rPr>
               <a:t>Bellazzi</a:t>
             </a:r>
             <a:r>
-              <a:rPr lang="en-IN" sz="1200" dirty="0"/>
+              <a:rPr lang="en-IN" sz="1200" dirty="0">
+                <a:latin typeface="Times New Roman" panose="02020603050405020304" pitchFamily="18" charset="0"/>
+                <a:cs typeface="Times New Roman" panose="02020603050405020304" pitchFamily="18" charset="0"/>
+              </a:rPr>
               <a:t> R, et al. The coming of age of artificial intelligence in medicine. </a:t>
             </a:r>
             <a:r>
-              <a:rPr lang="en-IN" sz="1200" i="1" dirty="0" err="1"/>
+              <a:rPr lang="en-IN" sz="1200" i="1" dirty="0" err="1">
+                <a:latin typeface="Times New Roman" panose="02020603050405020304" pitchFamily="18" charset="0"/>
+                <a:cs typeface="Times New Roman" panose="02020603050405020304" pitchFamily="18" charset="0"/>
+              </a:rPr>
               <a:t>Artif</a:t>
             </a:r>
             <a:r>
-              <a:rPr lang="en-IN" sz="1200" i="1" dirty="0"/>
+              <a:rPr lang="en-IN" sz="1200" i="1" dirty="0">
+                <a:latin typeface="Times New Roman" panose="02020603050405020304" pitchFamily="18" charset="0"/>
+                <a:cs typeface="Times New Roman" panose="02020603050405020304" pitchFamily="18" charset="0"/>
+              </a:rPr>
               <a:t> </a:t>
             </a:r>
             <a:r>
-              <a:rPr lang="en-IN" sz="1200" i="1" dirty="0" err="1"/>
+              <a:rPr lang="en-IN" sz="1200" i="1" dirty="0" err="1">
+                <a:latin typeface="Times New Roman" panose="02020603050405020304" pitchFamily="18" charset="0"/>
+                <a:cs typeface="Times New Roman" panose="02020603050405020304" pitchFamily="18" charset="0"/>
+              </a:rPr>
               <a:t>Intell</a:t>
             </a:r>
             <a:r>
-              <a:rPr lang="en-IN" sz="1200" i="1" dirty="0"/>
+              <a:rPr lang="en-IN" sz="1200" i="1" dirty="0">
+                <a:latin typeface="Times New Roman" panose="02020603050405020304" pitchFamily="18" charset="0"/>
+                <a:cs typeface="Times New Roman" panose="02020603050405020304" pitchFamily="18" charset="0"/>
+              </a:rPr>
               <a:t> Med</a:t>
             </a:r>
             <a:r>
-              <a:rPr lang="en-IN" sz="1200" dirty="0"/>
+              <a:rPr lang="en-IN" sz="1200" dirty="0">
+                <a:latin typeface="Times New Roman" panose="02020603050405020304" pitchFamily="18" charset="0"/>
+                <a:cs typeface="Times New Roman" panose="02020603050405020304" pitchFamily="18" charset="0"/>
+              </a:rPr>
               <a:t> 2009; 46:5–17. </a:t>
             </a:r>
             <a:r>
-              <a:rPr lang="en-IN" sz="1200" dirty="0" err="1"/>
+              <a:rPr lang="en-IN" sz="1200" dirty="0" err="1">
+                <a:latin typeface="Times New Roman" panose="02020603050405020304" pitchFamily="18" charset="0"/>
+                <a:cs typeface="Times New Roman" panose="02020603050405020304" pitchFamily="18" charset="0"/>
+              </a:rPr>
               <a:t>doi</a:t>
             </a:r>
             <a:r>
-              <a:rPr lang="en-IN" sz="1200" dirty="0"/>
+              <a:rPr lang="en-IN" sz="1200" dirty="0">
+                <a:latin typeface="Times New Roman" panose="02020603050405020304" pitchFamily="18" charset="0"/>
+                <a:cs typeface="Times New Roman" panose="02020603050405020304" pitchFamily="18" charset="0"/>
+              </a:rPr>
               <a:t>: 10.1016/j.artmed.2008.07.017. [</a:t>
             </a:r>
             <a:r>
               <a:rPr lang="en-IN" sz="1200" dirty="0">
+                <a:latin typeface="Times New Roman" panose="02020603050405020304" pitchFamily="18" charset="0"/>
+                <a:cs typeface="Times New Roman" panose="02020603050405020304" pitchFamily="18" charset="0"/>
                 <a:hlinkClick r:id="rId4"/>
               </a:rPr>
               <a:t>PMC free article</a:t>
             </a:r>
             <a:r>
-              <a:rPr lang="en-IN" sz="1200" dirty="0"/>
+              <a:rPr lang="en-IN" sz="1200" dirty="0">
+                <a:latin typeface="Times New Roman" panose="02020603050405020304" pitchFamily="18" charset="0"/>
+                <a:cs typeface="Times New Roman" panose="02020603050405020304" pitchFamily="18" charset="0"/>
+              </a:rPr>
               <a:t>] [</a:t>
             </a:r>
             <a:r>
               <a:rPr lang="en-IN" sz="1200" dirty="0">
+                <a:latin typeface="Times New Roman" panose="02020603050405020304" pitchFamily="18" charset="0"/>
+                <a:cs typeface="Times New Roman" panose="02020603050405020304" pitchFamily="18" charset="0"/>
                 <a:hlinkClick r:id="rId5"/>
               </a:rPr>
               <a:t>PubMed</a:t>
             </a:r>
             <a:r>
-              <a:rPr lang="en-IN" sz="1200" dirty="0"/>
+              <a:rPr lang="en-IN" sz="1200" dirty="0">
+                <a:latin typeface="Times New Roman" panose="02020603050405020304" pitchFamily="18" charset="0"/>
+                <a:cs typeface="Times New Roman" panose="02020603050405020304" pitchFamily="18" charset="0"/>
+              </a:rPr>
               <a:t>] [</a:t>
             </a:r>
             <a:r>
               <a:rPr lang="en-IN" sz="1200" dirty="0">
+                <a:latin typeface="Times New Roman" panose="02020603050405020304" pitchFamily="18" charset="0"/>
+                <a:cs typeface="Times New Roman" panose="02020603050405020304" pitchFamily="18" charset="0"/>
                 <a:hlinkClick r:id="rId6"/>
               </a:rPr>
               <a:t>Google Scholar</a:t>
             </a:r>
             <a:r>
-              <a:rPr lang="en-IN" sz="1200" dirty="0"/>
+              <a:rPr lang="en-IN" sz="1200" dirty="0">
+                <a:latin typeface="Times New Roman" panose="02020603050405020304" pitchFamily="18" charset="0"/>
+                <a:cs typeface="Times New Roman" panose="02020603050405020304" pitchFamily="18" charset="0"/>
+              </a:rPr>
               <a:t>]</a:t>
             </a:r>
           </a:p>
           <a:p>
             <a:r>
-              <a:rPr lang="en-IN" sz="1200" dirty="0"/>
+              <a:rPr lang="en-IN" sz="1200" dirty="0">
+                <a:latin typeface="Times New Roman" panose="02020603050405020304" pitchFamily="18" charset="0"/>
+                <a:cs typeface="Times New Roman" panose="02020603050405020304" pitchFamily="18" charset="0"/>
+              </a:rPr>
               <a:t>2. </a:t>
             </a:r>
             <a:r>
-              <a:rPr lang="en-IN" sz="1200" dirty="0" err="1"/>
+              <a:rPr lang="en-IN" sz="1200" dirty="0" err="1">
+                <a:latin typeface="Times New Roman" panose="02020603050405020304" pitchFamily="18" charset="0"/>
+                <a:cs typeface="Times New Roman" panose="02020603050405020304" pitchFamily="18" charset="0"/>
+              </a:rPr>
               <a:t>Shaffie</a:t>
             </a:r>
             <a:r>
-              <a:rPr lang="en-IN" sz="1200" dirty="0"/>
+              <a:rPr lang="en-IN" sz="1200" dirty="0">
+                <a:latin typeface="Times New Roman" panose="02020603050405020304" pitchFamily="18" charset="0"/>
+                <a:cs typeface="Times New Roman" panose="02020603050405020304" pitchFamily="18" charset="0"/>
+              </a:rPr>
               <a:t> A, </a:t>
             </a:r>
             <a:r>
-              <a:rPr lang="en-IN" sz="1200" dirty="0" err="1"/>
+              <a:rPr lang="en-IN" sz="1200" dirty="0" err="1">
+                <a:latin typeface="Times New Roman" panose="02020603050405020304" pitchFamily="18" charset="0"/>
+                <a:cs typeface="Times New Roman" panose="02020603050405020304" pitchFamily="18" charset="0"/>
+              </a:rPr>
               <a:t>Soliman</a:t>
             </a:r>
             <a:r>
-              <a:rPr lang="en-IN" sz="1200" dirty="0"/>
+              <a:rPr lang="en-IN" sz="1200" dirty="0">
+                <a:latin typeface="Times New Roman" panose="02020603050405020304" pitchFamily="18" charset="0"/>
+                <a:cs typeface="Times New Roman" panose="02020603050405020304" pitchFamily="18" charset="0"/>
+              </a:rPr>
               <a:t> A, </a:t>
             </a:r>
             <a:r>
-              <a:rPr lang="en-IN" sz="1200" dirty="0" err="1"/>
+              <a:rPr lang="en-IN" sz="1200" dirty="0" err="1">
+                <a:latin typeface="Times New Roman" panose="02020603050405020304" pitchFamily="18" charset="0"/>
+                <a:cs typeface="Times New Roman" panose="02020603050405020304" pitchFamily="18" charset="0"/>
+              </a:rPr>
               <a:t>Fraiwan</a:t>
             </a:r>
             <a:r>
-              <a:rPr lang="en-IN" sz="1200" dirty="0"/>
+              <a:rPr lang="en-IN" sz="1200" dirty="0">
+                <a:latin typeface="Times New Roman" panose="02020603050405020304" pitchFamily="18" charset="0"/>
+                <a:cs typeface="Times New Roman" panose="02020603050405020304" pitchFamily="18" charset="0"/>
+              </a:rPr>
               <a:t> L, Ghazal M, </a:t>
             </a:r>
             <a:r>
-              <a:rPr lang="en-IN" sz="1200" dirty="0" err="1"/>
+              <a:rPr lang="en-IN" sz="1200" dirty="0" err="1">
+                <a:latin typeface="Times New Roman" panose="02020603050405020304" pitchFamily="18" charset="0"/>
+                <a:cs typeface="Times New Roman" panose="02020603050405020304" pitchFamily="18" charset="0"/>
+              </a:rPr>
               <a:t>Taher</a:t>
             </a:r>
             <a:r>
-              <a:rPr lang="en-IN" sz="1200" dirty="0"/>
+              <a:rPr lang="en-IN" sz="1200" dirty="0">
+                <a:latin typeface="Times New Roman" panose="02020603050405020304" pitchFamily="18" charset="0"/>
+                <a:cs typeface="Times New Roman" panose="02020603050405020304" pitchFamily="18" charset="0"/>
+              </a:rPr>
               <a:t> F, Dunlap N, et al. A generalized deep learning-based diagnostic system for early diagnosis of various types of pulmonary nodules. </a:t>
             </a:r>
             <a:r>
-              <a:rPr lang="en-IN" sz="1200" i="1" dirty="0" err="1"/>
+              <a:rPr lang="en-IN" sz="1200" i="1" dirty="0" err="1">
+                <a:latin typeface="Times New Roman" panose="02020603050405020304" pitchFamily="18" charset="0"/>
+                <a:cs typeface="Times New Roman" panose="02020603050405020304" pitchFamily="18" charset="0"/>
+              </a:rPr>
               <a:t>Technol</a:t>
             </a:r>
             <a:r>
-              <a:rPr lang="en-IN" sz="1200" i="1" dirty="0"/>
+              <a:rPr lang="en-IN" sz="1200" i="1" dirty="0">
+                <a:latin typeface="Times New Roman" panose="02020603050405020304" pitchFamily="18" charset="0"/>
+                <a:cs typeface="Times New Roman" panose="02020603050405020304" pitchFamily="18" charset="0"/>
+              </a:rPr>
               <a:t> Cancer Res Treat</a:t>
             </a:r>
             <a:r>
-              <a:rPr lang="en-IN" sz="1200" dirty="0"/>
+              <a:rPr lang="en-IN" sz="1200" dirty="0">
+                <a:latin typeface="Times New Roman" panose="02020603050405020304" pitchFamily="18" charset="0"/>
+                <a:cs typeface="Times New Roman" panose="02020603050405020304" pitchFamily="18" charset="0"/>
+              </a:rPr>
               <a:t> 2018; 17:1180783544.doi: 10.1177/1533033818798800. [</a:t>
             </a:r>
             <a:r>
               <a:rPr lang="en-IN" sz="1200" dirty="0">
+                <a:latin typeface="Times New Roman" panose="02020603050405020304" pitchFamily="18" charset="0"/>
+                <a:cs typeface="Times New Roman" panose="02020603050405020304" pitchFamily="18" charset="0"/>
                 <a:hlinkClick r:id="rId7"/>
               </a:rPr>
               <a:t>PMC free article</a:t>
             </a:r>
             <a:r>
-              <a:rPr lang="en-IN" sz="1200" dirty="0"/>
+              <a:rPr lang="en-IN" sz="1200" dirty="0">
+                <a:latin typeface="Times New Roman" panose="02020603050405020304" pitchFamily="18" charset="0"/>
+                <a:cs typeface="Times New Roman" panose="02020603050405020304" pitchFamily="18" charset="0"/>
+              </a:rPr>
               <a:t>] [</a:t>
             </a:r>
             <a:r>
               <a:rPr lang="en-IN" sz="1200" dirty="0">
+                <a:latin typeface="Times New Roman" panose="02020603050405020304" pitchFamily="18" charset="0"/>
+                <a:cs typeface="Times New Roman" panose="02020603050405020304" pitchFamily="18" charset="0"/>
                 <a:hlinkClick r:id="rId8"/>
               </a:rPr>
               <a:t>PubMed</a:t>
             </a:r>
             <a:r>
-              <a:rPr lang="en-IN" sz="1200" dirty="0"/>
+              <a:rPr lang="en-IN" sz="1200" dirty="0">
+                <a:latin typeface="Times New Roman" panose="02020603050405020304" pitchFamily="18" charset="0"/>
+                <a:cs typeface="Times New Roman" panose="02020603050405020304" pitchFamily="18" charset="0"/>
+              </a:rPr>
               <a:t>] [</a:t>
             </a:r>
             <a:r>
               <a:rPr lang="en-IN" sz="1200" dirty="0">
+                <a:latin typeface="Times New Roman" panose="02020603050405020304" pitchFamily="18" charset="0"/>
+                <a:cs typeface="Times New Roman" panose="02020603050405020304" pitchFamily="18" charset="0"/>
                 <a:hlinkClick r:id="rId9"/>
               </a:rPr>
               <a:t>Google Scholar</a:t>
             </a:r>
             <a:r>
-              <a:rPr lang="en-IN" sz="1200" dirty="0"/>
+              <a:rPr lang="en-IN" sz="1200" dirty="0">
+                <a:latin typeface="Times New Roman" panose="02020603050405020304" pitchFamily="18" charset="0"/>
+                <a:cs typeface="Times New Roman" panose="02020603050405020304" pitchFamily="18" charset="0"/>
+              </a:rPr>
               <a:t>]</a:t>
             </a:r>
           </a:p>
           <a:p>
             <a:r>
-              <a:rPr lang="en-IN" sz="1200" dirty="0"/>
+              <a:rPr lang="en-IN" sz="1200" dirty="0">
+                <a:latin typeface="Times New Roman" panose="02020603050405020304" pitchFamily="18" charset="0"/>
+                <a:cs typeface="Times New Roman" panose="02020603050405020304" pitchFamily="18" charset="0"/>
+              </a:rPr>
               <a:t>3. Perryman AL, Stratton TP, </a:t>
             </a:r>
             <a:r>
-              <a:rPr lang="en-IN" sz="1200" dirty="0" err="1"/>
+              <a:rPr lang="en-IN" sz="1200" dirty="0" err="1">
+                <a:latin typeface="Times New Roman" panose="02020603050405020304" pitchFamily="18" charset="0"/>
+                <a:cs typeface="Times New Roman" panose="02020603050405020304" pitchFamily="18" charset="0"/>
+              </a:rPr>
               <a:t>Ekins</a:t>
             </a:r>
             <a:r>
-              <a:rPr lang="en-IN" sz="1200" dirty="0"/>
+              <a:rPr lang="en-IN" sz="1200" dirty="0">
+                <a:latin typeface="Times New Roman" panose="02020603050405020304" pitchFamily="18" charset="0"/>
+                <a:cs typeface="Times New Roman" panose="02020603050405020304" pitchFamily="18" charset="0"/>
+              </a:rPr>
               <a:t> S, </a:t>
             </a:r>
             <a:r>
-              <a:rPr lang="en-IN" sz="1200" dirty="0" err="1"/>
+              <a:rPr lang="en-IN" sz="1200" dirty="0" err="1">
+                <a:latin typeface="Times New Roman" panose="02020603050405020304" pitchFamily="18" charset="0"/>
+                <a:cs typeface="Times New Roman" panose="02020603050405020304" pitchFamily="18" charset="0"/>
+              </a:rPr>
               <a:t>Freundlich</a:t>
             </a:r>
             <a:r>
-              <a:rPr lang="en-IN" sz="1200" dirty="0"/>
+              <a:rPr lang="en-IN" sz="1200" dirty="0">
+                <a:latin typeface="Times New Roman" panose="02020603050405020304" pitchFamily="18" charset="0"/>
+                <a:cs typeface="Times New Roman" panose="02020603050405020304" pitchFamily="18" charset="0"/>
+              </a:rPr>
               <a:t> JS. Predicting mouse liver microsomal stability with “pruned” machine learning models and public data. </a:t>
             </a:r>
             <a:r>
-              <a:rPr lang="en-IN" sz="1200" i="1" dirty="0"/>
+              <a:rPr lang="en-IN" sz="1200" i="1" dirty="0">
+                <a:latin typeface="Times New Roman" panose="02020603050405020304" pitchFamily="18" charset="0"/>
+                <a:cs typeface="Times New Roman" panose="02020603050405020304" pitchFamily="18" charset="0"/>
+              </a:rPr>
               <a:t>Pharm Res</a:t>
             </a:r>
             <a:r>
-              <a:rPr lang="en-IN" sz="1200" dirty="0"/>
+              <a:rPr lang="en-IN" sz="1200" dirty="0">
+                <a:latin typeface="Times New Roman" panose="02020603050405020304" pitchFamily="18" charset="0"/>
+                <a:cs typeface="Times New Roman" panose="02020603050405020304" pitchFamily="18" charset="0"/>
+              </a:rPr>
               <a:t> 2016; 33:433–449. </a:t>
             </a:r>
             <a:r>
-              <a:rPr lang="en-IN" sz="1200" dirty="0" err="1"/>
+              <a:rPr lang="en-IN" sz="1200" dirty="0" err="1">
+                <a:latin typeface="Times New Roman" panose="02020603050405020304" pitchFamily="18" charset="0"/>
+                <a:cs typeface="Times New Roman" panose="02020603050405020304" pitchFamily="18" charset="0"/>
+              </a:rPr>
               <a:t>doi</a:t>
             </a:r>
             <a:r>
-              <a:rPr lang="en-IN" sz="1200" dirty="0"/>
+              <a:rPr lang="en-IN" sz="1200" dirty="0">
+                <a:latin typeface="Times New Roman" panose="02020603050405020304" pitchFamily="18" charset="0"/>
+                <a:cs typeface="Times New Roman" panose="02020603050405020304" pitchFamily="18" charset="0"/>
+              </a:rPr>
               <a:t>: 10.1007/s11095-015-1800-5. [</a:t>
             </a:r>
             <a:r>
               <a:rPr lang="en-IN" sz="1200" dirty="0">
+                <a:latin typeface="Times New Roman" panose="02020603050405020304" pitchFamily="18" charset="0"/>
+                <a:cs typeface="Times New Roman" panose="02020603050405020304" pitchFamily="18" charset="0"/>
                 <a:hlinkClick r:id="rId10"/>
               </a:rPr>
               <a:t>PMC free article</a:t>
             </a:r>
             <a:r>
-              <a:rPr lang="en-IN" sz="1200" dirty="0"/>
+              <a:rPr lang="en-IN" sz="1200" dirty="0">
+                <a:latin typeface="Times New Roman" panose="02020603050405020304" pitchFamily="18" charset="0"/>
+                <a:cs typeface="Times New Roman" panose="02020603050405020304" pitchFamily="18" charset="0"/>
+              </a:rPr>
               <a:t>] [</a:t>
             </a:r>
             <a:r>
               <a:rPr lang="en-IN" sz="1200" dirty="0">
+                <a:latin typeface="Times New Roman" panose="02020603050405020304" pitchFamily="18" charset="0"/>
+                <a:cs typeface="Times New Roman" panose="02020603050405020304" pitchFamily="18" charset="0"/>
                 <a:hlinkClick r:id="rId11"/>
               </a:rPr>
               <a:t>PubMed</a:t>
             </a:r>
             <a:r>
-              <a:rPr lang="en-IN" sz="1200" dirty="0"/>
+              <a:rPr lang="en-IN" sz="1200" dirty="0">
+                <a:latin typeface="Times New Roman" panose="02020603050405020304" pitchFamily="18" charset="0"/>
+                <a:cs typeface="Times New Roman" panose="02020603050405020304" pitchFamily="18" charset="0"/>
+              </a:rPr>
               <a:t>] [</a:t>
             </a:r>
             <a:r>
               <a:rPr lang="en-IN" sz="1200" dirty="0">
+                <a:latin typeface="Times New Roman" panose="02020603050405020304" pitchFamily="18" charset="0"/>
+                <a:cs typeface="Times New Roman" panose="02020603050405020304" pitchFamily="18" charset="0"/>
                 <a:hlinkClick r:id="rId12"/>
               </a:rPr>
               <a:t>Google Scholar</a:t>
             </a:r>
             <a:r>
-              <a:rPr lang="en-IN" sz="1200" dirty="0"/>
+              <a:rPr lang="en-IN" sz="1200" dirty="0">
+                <a:latin typeface="Times New Roman" panose="02020603050405020304" pitchFamily="18" charset="0"/>
+                <a:cs typeface="Times New Roman" panose="02020603050405020304" pitchFamily="18" charset="0"/>
+              </a:rPr>
               <a:t>]</a:t>
             </a:r>
           </a:p>
           <a:p>
             <a:r>
-              <a:rPr lang="en-IN" sz="1200" dirty="0"/>
+              <a:rPr lang="en-IN" sz="1200" dirty="0">
+                <a:latin typeface="Times New Roman" panose="02020603050405020304" pitchFamily="18" charset="0"/>
+                <a:cs typeface="Times New Roman" panose="02020603050405020304" pitchFamily="18" charset="0"/>
+              </a:rPr>
               <a:t>4. Choi H, Kang H, Chung K, Park H. Development and application of a comprehensive machine learning program for predicting molecular biochemical and pharmacological properties. </a:t>
             </a:r>
             <a:r>
-              <a:rPr lang="en-IN" sz="1200" i="1" dirty="0" err="1"/>
+              <a:rPr lang="en-IN" sz="1200" i="1" dirty="0" err="1">
+                <a:latin typeface="Times New Roman" panose="02020603050405020304" pitchFamily="18" charset="0"/>
+                <a:cs typeface="Times New Roman" panose="02020603050405020304" pitchFamily="18" charset="0"/>
+              </a:rPr>
               <a:t>Phys</a:t>
             </a:r>
             <a:r>
-              <a:rPr lang="en-IN" sz="1200" i="1" dirty="0"/>
+              <a:rPr lang="en-IN" sz="1200" i="1" dirty="0">
+                <a:latin typeface="Times New Roman" panose="02020603050405020304" pitchFamily="18" charset="0"/>
+                <a:cs typeface="Times New Roman" panose="02020603050405020304" pitchFamily="18" charset="0"/>
+              </a:rPr>
               <a:t> </a:t>
             </a:r>
             <a:r>
-              <a:rPr lang="en-IN" sz="1200" i="1" dirty="0" err="1"/>
+              <a:rPr lang="en-IN" sz="1200" i="1" dirty="0" err="1">
+                <a:latin typeface="Times New Roman" panose="02020603050405020304" pitchFamily="18" charset="0"/>
+                <a:cs typeface="Times New Roman" panose="02020603050405020304" pitchFamily="18" charset="0"/>
+              </a:rPr>
               <a:t>Chem</a:t>
             </a:r>
             <a:r>
-              <a:rPr lang="en-IN" sz="1200" i="1" dirty="0"/>
+              <a:rPr lang="en-IN" sz="1200" i="1" dirty="0">
+                <a:latin typeface="Times New Roman" panose="02020603050405020304" pitchFamily="18" charset="0"/>
+                <a:cs typeface="Times New Roman" panose="02020603050405020304" pitchFamily="18" charset="0"/>
+              </a:rPr>
               <a:t> </a:t>
             </a:r>
             <a:r>
-              <a:rPr lang="en-IN" sz="1200" i="1" dirty="0" err="1"/>
+              <a:rPr lang="en-IN" sz="1200" i="1" dirty="0" err="1">
+                <a:latin typeface="Times New Roman" panose="02020603050405020304" pitchFamily="18" charset="0"/>
+                <a:cs typeface="Times New Roman" panose="02020603050405020304" pitchFamily="18" charset="0"/>
+              </a:rPr>
               <a:t>Chem</a:t>
             </a:r>
             <a:r>
-              <a:rPr lang="en-IN" sz="1200" i="1" dirty="0"/>
+              <a:rPr lang="en-IN" sz="1200" i="1" dirty="0">
+                <a:latin typeface="Times New Roman" panose="02020603050405020304" pitchFamily="18" charset="0"/>
+                <a:cs typeface="Times New Roman" panose="02020603050405020304" pitchFamily="18" charset="0"/>
+              </a:rPr>
               <a:t> </a:t>
             </a:r>
             <a:r>
-              <a:rPr lang="en-IN" sz="1200" i="1" dirty="0" err="1"/>
+              <a:rPr lang="en-IN" sz="1200" i="1" dirty="0" err="1">
+                <a:latin typeface="Times New Roman" panose="02020603050405020304" pitchFamily="18" charset="0"/>
+                <a:cs typeface="Times New Roman" panose="02020603050405020304" pitchFamily="18" charset="0"/>
+              </a:rPr>
               <a:t>Phys</a:t>
             </a:r>
             <a:r>
-              <a:rPr lang="en-IN" sz="1200" dirty="0"/>
+              <a:rPr lang="en-IN" sz="1200" dirty="0">
+                <a:latin typeface="Times New Roman" panose="02020603050405020304" pitchFamily="18" charset="0"/>
+                <a:cs typeface="Times New Roman" panose="02020603050405020304" pitchFamily="18" charset="0"/>
+              </a:rPr>
               <a:t> 2019; 21:5189–5199. </a:t>
             </a:r>
             <a:r>
-              <a:rPr lang="en-IN" sz="1200" dirty="0" err="1"/>
+              <a:rPr lang="en-IN" sz="1200" dirty="0" err="1">
+                <a:latin typeface="Times New Roman" panose="02020603050405020304" pitchFamily="18" charset="0"/>
+                <a:cs typeface="Times New Roman" panose="02020603050405020304" pitchFamily="18" charset="0"/>
+              </a:rPr>
               <a:t>doi</a:t>
             </a:r>
             <a:r>
-              <a:rPr lang="en-IN" sz="1200" dirty="0"/>
+              <a:rPr lang="en-IN" sz="1200" dirty="0">
+                <a:latin typeface="Times New Roman" panose="02020603050405020304" pitchFamily="18" charset="0"/>
+                <a:cs typeface="Times New Roman" panose="02020603050405020304" pitchFamily="18" charset="0"/>
+              </a:rPr>
               <a:t>: 10.1039/C8CP07002D. [</a:t>
             </a:r>
             <a:r>
               <a:rPr lang="en-IN" sz="1200" dirty="0">
+                <a:latin typeface="Times New Roman" panose="02020603050405020304" pitchFamily="18" charset="0"/>
+                <a:cs typeface="Times New Roman" panose="02020603050405020304" pitchFamily="18" charset="0"/>
                 <a:hlinkClick r:id="rId13"/>
               </a:rPr>
               <a:t>PubMed</a:t>
             </a:r>
             <a:r>
-              <a:rPr lang="en-IN" sz="1200" dirty="0"/>
+              <a:rPr lang="en-IN" sz="1200" dirty="0">
+                <a:latin typeface="Times New Roman" panose="02020603050405020304" pitchFamily="18" charset="0"/>
+                <a:cs typeface="Times New Roman" panose="02020603050405020304" pitchFamily="18" charset="0"/>
+              </a:rPr>
               <a:t>] [</a:t>
             </a:r>
             <a:r>
               <a:rPr lang="en-IN" sz="1200" dirty="0">
+                <a:latin typeface="Times New Roman" panose="02020603050405020304" pitchFamily="18" charset="0"/>
+                <a:cs typeface="Times New Roman" panose="02020603050405020304" pitchFamily="18" charset="0"/>
                 <a:hlinkClick r:id="rId14"/>
               </a:rPr>
               <a:t>Google Scholar</a:t>
             </a:r>
             <a:r>
-              <a:rPr lang="en-IN" sz="1200" dirty="0"/>
+              <a:rPr lang="en-IN" sz="1200" dirty="0">
+                <a:latin typeface="Times New Roman" panose="02020603050405020304" pitchFamily="18" charset="0"/>
+                <a:cs typeface="Times New Roman" panose="02020603050405020304" pitchFamily="18" charset="0"/>
+              </a:rPr>
               <a:t>]</a:t>
             </a:r>
           </a:p>
@@ -12488,21 +12990,147 @@
               </a:spcBef>
             </a:pPr>
             <a:r>
-              <a:rPr lang="en-IN" sz="1200" dirty="0"/>
-              <a:t>5. https://www.ncbi.nlm.nih.gov/pmc/articles/PMC6793782/</a:t>
-            </a:r>
-            <a:endParaRPr lang="en-IN" sz="1200" dirty="0"/>
+              <a:rPr lang="en-IN" sz="1200" dirty="0">
+                <a:latin typeface="Times New Roman" panose="02020603050405020304" pitchFamily="18" charset="0"/>
+                <a:cs typeface="Times New Roman" panose="02020603050405020304" pitchFamily="18" charset="0"/>
+              </a:rPr>
+              <a:t>5. </a:t>
+            </a:r>
+            <a:r>
+              <a:rPr lang="en-IN" sz="1200" dirty="0">
+                <a:latin typeface="Times New Roman" panose="02020603050405020304" pitchFamily="18" charset="0"/>
+                <a:cs typeface="Times New Roman" panose="02020603050405020304" pitchFamily="18" charset="0"/>
+                <a:hlinkClick r:id="rId15"/>
+              </a:rPr>
+              <a:t>https://www.ncbi.nlm.nih.gov/pmc/articles/PMC6793782</a:t>
+            </a:r>
+            <a:r>
+              <a:rPr lang="en-IN" sz="1200" dirty="0" smtClean="0">
+                <a:latin typeface="Times New Roman" panose="02020603050405020304" pitchFamily="18" charset="0"/>
+                <a:cs typeface="Times New Roman" panose="02020603050405020304" pitchFamily="18" charset="0"/>
+                <a:hlinkClick r:id="rId15"/>
+              </a:rPr>
+              <a:t>/</a:t>
+            </a:r>
+            <a:r>
+              <a:rPr lang="en-IN" sz="1200" dirty="0" smtClean="0">
+                <a:latin typeface="Times New Roman" panose="02020603050405020304" pitchFamily="18" charset="0"/>
+                <a:cs typeface="Times New Roman" panose="02020603050405020304" pitchFamily="18" charset="0"/>
+              </a:rPr>
+              <a:t> </a:t>
+            </a:r>
           </a:p>
           <a:p>
-            <a:pPr marL="0" lvl="0" indent="0" algn="l" rtl="0">
+            <a:pPr>
               <a:spcBef>
                 <a:spcPts val="800"/>
               </a:spcBef>
-              <a:spcAft>
-                <a:spcPts val="0"/>
-              </a:spcAft>
-              <a:buNone/>
             </a:pPr>
+            <a:r>
+              <a:rPr lang="en-IN" sz="1200" dirty="0">
+                <a:latin typeface="Times New Roman" panose="02020603050405020304" pitchFamily="18" charset="0"/>
+                <a:cs typeface="Times New Roman" panose="02020603050405020304" pitchFamily="18" charset="0"/>
+              </a:rPr>
+              <a:t>6. </a:t>
+            </a:r>
+            <a:r>
+              <a:rPr lang="en-IN" sz="1200" dirty="0">
+                <a:latin typeface="Times New Roman" panose="02020603050405020304" pitchFamily="18" charset="0"/>
+                <a:cs typeface="Times New Roman" panose="02020603050405020304" pitchFamily="18" charset="0"/>
+                <a:hlinkClick r:id="rId16"/>
+              </a:rPr>
+              <a:t>https://</a:t>
+            </a:r>
+            <a:r>
+              <a:rPr lang="en-IN" sz="1200" dirty="0" smtClean="0">
+                <a:latin typeface="Times New Roman" panose="02020603050405020304" pitchFamily="18" charset="0"/>
+                <a:cs typeface="Times New Roman" panose="02020603050405020304" pitchFamily="18" charset="0"/>
+                <a:hlinkClick r:id="rId16"/>
+              </a:rPr>
+              <a:t>www.tensorflow.org/lite/tutorials/model_maker_image_classification</a:t>
+            </a:r>
+            <a:endParaRPr lang="en-IN" sz="1200" dirty="0" smtClean="0">
+              <a:latin typeface="Times New Roman" panose="02020603050405020304" pitchFamily="18" charset="0"/>
+              <a:cs typeface="Times New Roman" panose="02020603050405020304" pitchFamily="18" charset="0"/>
+            </a:endParaRPr>
+          </a:p>
+          <a:p>
+            <a:pPr>
+              <a:spcBef>
+                <a:spcPts val="800"/>
+              </a:spcBef>
+            </a:pPr>
+            <a:r>
+              <a:rPr lang="en-IN" sz="1200" dirty="0">
+                <a:solidFill>
+                  <a:srgbClr val="333333"/>
+                </a:solidFill>
+                <a:highlight>
+                  <a:srgbClr val="FFFFFF"/>
+                </a:highlight>
+                <a:latin typeface="Times New Roman" panose="02020603050405020304" pitchFamily="18" charset="0"/>
+                <a:cs typeface="Times New Roman" panose="02020603050405020304" pitchFamily="18" charset="0"/>
+              </a:rPr>
+              <a:t>7. </a:t>
+            </a:r>
+            <a:r>
+              <a:rPr lang="en-IN" sz="1200" dirty="0">
+                <a:solidFill>
+                  <a:srgbClr val="333333"/>
+                </a:solidFill>
+                <a:highlight>
+                  <a:srgbClr val="FFFFFF"/>
+                </a:highlight>
+                <a:latin typeface="Times New Roman" panose="02020603050405020304" pitchFamily="18" charset="0"/>
+                <a:cs typeface="Times New Roman" panose="02020603050405020304" pitchFamily="18" charset="0"/>
+                <a:hlinkClick r:id="rId17"/>
+              </a:rPr>
+              <a:t>https://codelabs.developers.google.com/codelabs/recognize-flowers-with-tensorflow-on-android/#</a:t>
+            </a:r>
+            <a:r>
+              <a:rPr lang="en-IN" sz="1200" dirty="0" smtClean="0">
+                <a:solidFill>
+                  <a:srgbClr val="333333"/>
+                </a:solidFill>
+                <a:highlight>
+                  <a:srgbClr val="FFFFFF"/>
+                </a:highlight>
+                <a:latin typeface="Times New Roman" panose="02020603050405020304" pitchFamily="18" charset="0"/>
+                <a:cs typeface="Times New Roman" panose="02020603050405020304" pitchFamily="18" charset="0"/>
+                <a:hlinkClick r:id="rId17"/>
+              </a:rPr>
+              <a:t>4</a:t>
+            </a:r>
+            <a:endParaRPr lang="en-IN" sz="1200" dirty="0" smtClean="0">
+              <a:solidFill>
+                <a:srgbClr val="333333"/>
+              </a:solidFill>
+              <a:highlight>
+                <a:srgbClr val="FFFFFF"/>
+              </a:highlight>
+              <a:latin typeface="Times New Roman" panose="02020603050405020304" pitchFamily="18" charset="0"/>
+              <a:cs typeface="Times New Roman" panose="02020603050405020304" pitchFamily="18" charset="0"/>
+            </a:endParaRPr>
+          </a:p>
+          <a:p>
+            <a:pPr>
+              <a:spcBef>
+                <a:spcPts val="800"/>
+              </a:spcBef>
+            </a:pPr>
+            <a:r>
+              <a:rPr lang="en-IN" sz="1200" dirty="0">
+                <a:solidFill>
+                  <a:srgbClr val="333333"/>
+                </a:solidFill>
+                <a:highlight>
+                  <a:srgbClr val="FFFFFF"/>
+                </a:highlight>
+                <a:latin typeface="Times New Roman" panose="02020603050405020304" pitchFamily="18" charset="0"/>
+                <a:cs typeface="Times New Roman" panose="02020603050405020304" pitchFamily="18" charset="0"/>
+              </a:rPr>
+              <a:t>8. https://blog.tensorflow.org/2020/03/higher-accuracy-on-vision-models-with-efficientnet-lite.html</a:t>
+            </a:r>
             <a:endParaRPr sz="1350" dirty="0">
               <a:solidFill>
                 <a:srgbClr val="333333"/>
@@ -12590,6 +13218,47 @@
           </a:p>
         </p:txBody>
       </p:sp>
+      <p:pic>
+        <p:nvPicPr>
+          <p:cNvPr id="4098" name="Picture 2" descr="What Makes a Good Tenant Reference?"/>
+          <p:cNvPicPr>
+            <a:picLocks noChangeAspect="1" noChangeArrowheads="1"/>
+          </p:cNvPicPr>
+          <p:nvPr/>
+        </p:nvPicPr>
+        <p:blipFill>
+          <a:blip r:embed="rId18">
+            <a:extLst>
+              <a:ext uri="{28A0092B-C50C-407E-A947-70E740481C1C}">
+                <a14:useLocalDpi xmlns:a14="http://schemas.microsoft.com/office/drawing/2010/main" val="0"/>
+              </a:ext>
+            </a:extLst>
+          </a:blip>
+          <a:srcRect/>
+          <a:stretch>
+            <a:fillRect/>
+          </a:stretch>
+        </p:blipFill>
+        <p:spPr bwMode="auto">
+          <a:xfrm>
+            <a:off x="7939455" y="1723292"/>
+            <a:ext cx="4293346" cy="5134707"/>
+          </a:xfrm>
+          <a:prstGeom prst="rect">
+            <a:avLst/>
+          </a:prstGeom>
+          <a:noFill/>
+          <a:extLst>
+            <a:ext uri="{909E8E84-426E-40DD-AFC4-6F175D3DCCD1}">
+              <a14:hiddenFill xmlns:a14="http://schemas.microsoft.com/office/drawing/2010/main">
+                <a:solidFill>
+                  <a:srgbClr val="FFFFFF"/>
+                </a:solidFill>
+              </a14:hiddenFill>
+            </a:ext>
+          </a:extLst>
+        </p:spPr>
+      </p:pic>
     </p:spTree>
     <p:extLst>
       <p:ext uri="{BB962C8B-B14F-4D97-AF65-F5344CB8AC3E}">
@@ -12654,16 +13323,19 @@
           <a:p>
             <a:pPr lvl="0"/>
             <a:r>
-              <a:rPr lang="en-US" sz="2400" dirty="0"/>
+              <a:rPr lang="en-US" sz="2400" dirty="0">
+                <a:latin typeface="Times New Roman" panose="02020603050405020304" pitchFamily="18" charset="0"/>
+                <a:cs typeface="Times New Roman" panose="02020603050405020304" pitchFamily="18" charset="0"/>
+              </a:rPr>
               <a:t>Although dermatological AI has developed rapidly in recent years, it has encountered bottlenecks in the clinic, and there are many problems that need to be solved urgently: First, the current scale of skin disease image data is still insufficient, the degree of information sharing between hospitals is low, and the standard and quality of skin images are not uniform. It is difficult to obtain high-quality image data, which will lead to the unreliability of research results. Second, the combination of medical and AI complex talents is extremely scarce. It is indispensable to cooperate closely with multi-disciplinary personnel in computer science, biomedical and medical. </a:t>
             </a:r>
             <a:endParaRPr sz="2400" dirty="0">
               <a:solidFill>
                 <a:schemeClr val="dk2"/>
               </a:solidFill>
-              <a:latin typeface="Darker Grotesque SemiBold"/>
+              <a:latin typeface="Times New Roman" panose="02020603050405020304" pitchFamily="18" charset="0"/>
               <a:ea typeface="Darker Grotesque SemiBold"/>
-              <a:cs typeface="Darker Grotesque SemiBold"/>
+              <a:cs typeface="Times New Roman" panose="02020603050405020304" pitchFamily="18" charset="0"/>
               <a:sym typeface="Darker Grotesque SemiBold"/>
             </a:endParaRPr>
           </a:p>
@@ -13212,6 +13884,47 @@
           </a:p>
         </p:txBody>
       </p:sp>
+      <p:pic>
+        <p:nvPicPr>
+          <p:cNvPr id="3074" name="Picture 2" descr="4 Thank You Page Examples to Boost Customer Loyalty"/>
+          <p:cNvPicPr>
+            <a:picLocks noChangeAspect="1" noChangeArrowheads="1"/>
+          </p:cNvPicPr>
+          <p:nvPr/>
+        </p:nvPicPr>
+        <p:blipFill>
+          <a:blip r:embed="rId4">
+            <a:extLst>
+              <a:ext uri="{28A0092B-C50C-407E-A947-70E740481C1C}">
+                <a14:useLocalDpi xmlns:a14="http://schemas.microsoft.com/office/drawing/2010/main" val="0"/>
+              </a:ext>
+            </a:extLst>
+          </a:blip>
+          <a:srcRect/>
+          <a:stretch>
+            <a:fillRect/>
+          </a:stretch>
+        </p:blipFill>
+        <p:spPr bwMode="auto">
+          <a:xfrm>
+            <a:off x="-1" y="0"/>
+            <a:ext cx="13223631" cy="6858000"/>
+          </a:xfrm>
+          <a:prstGeom prst="rect">
+            <a:avLst/>
+          </a:prstGeom>
+          <a:noFill/>
+          <a:extLst>
+            <a:ext uri="{909E8E84-426E-40DD-AFC4-6F175D3DCCD1}">
+              <a14:hiddenFill xmlns:a14="http://schemas.microsoft.com/office/drawing/2010/main">
+                <a:solidFill>
+                  <a:srgbClr val="FFFFFF"/>
+                </a:solidFill>
+              </a14:hiddenFill>
+            </a:ext>
+          </a:extLst>
+        </p:spPr>
+      </p:pic>
     </p:spTree>
   </p:cSld>
   <p:clrMapOvr>
